--- a/presentation/giosCrowdTrust .pptx
+++ b/presentation/giosCrowdTrust .pptx
@@ -16,12 +16,16 @@
     <p:sldId id="269" r:id="rId10"/>
     <p:sldId id="270" r:id="rId11"/>
     <p:sldId id="272" r:id="rId12"/>
-    <p:sldId id="273" r:id="rId13"/>
-    <p:sldId id="260" r:id="rId14"/>
-    <p:sldId id="259" r:id="rId15"/>
-    <p:sldId id="263" r:id="rId16"/>
-    <p:sldId id="265" r:id="rId17"/>
-    <p:sldId id="258" r:id="rId18"/>
+    <p:sldId id="275" r:id="rId13"/>
+    <p:sldId id="276" r:id="rId14"/>
+    <p:sldId id="274" r:id="rId15"/>
+    <p:sldId id="277" r:id="rId16"/>
+    <p:sldId id="273" r:id="rId17"/>
+    <p:sldId id="260" r:id="rId18"/>
+    <p:sldId id="259" r:id="rId19"/>
+    <p:sldId id="263" r:id="rId20"/>
+    <p:sldId id="265" r:id="rId21"/>
+    <p:sldId id="258" r:id="rId22"/>
   </p:sldIdLst>
   <p:sldSz cx="9144000" cy="6858000" type="screen4x3"/>
   <p:notesSz cx="6858000" cy="9144000"/>
@@ -3324,7 +3328,7 @@
           <a:p>
             <a:r>
               <a:rPr lang="en-US" dirty="0" smtClean="0"/>
-              <a:t>How good are you?</a:t>
+              <a:t>Calculating the accuracies</a:t>
             </a:r>
             <a:endParaRPr lang="en-US" dirty="0"/>
           </a:p>
@@ -3356,14 +3360,6 @@
               <a:rPr lang="en-US" dirty="0" smtClean="0"/>
               <a:t>What we know about you</a:t>
             </a:r>
-          </a:p>
-          <a:p>
-            <a:pPr lvl="2"/>
-            <a:r>
-              <a:rPr lang="en-US" dirty="0" smtClean="0"/>
-              <a:t>What about trouble makers?</a:t>
-            </a:r>
-            <a:endParaRPr lang="en-US" dirty="0"/>
           </a:p>
           <a:p>
             <a:pPr lvl="1"/>
@@ -3509,7 +3505,7 @@
           <a:graphicData uri="http://schemas.openxmlformats.org/presentationml/2006/ole">
             <mc:AlternateContent xmlns:mc="http://schemas.openxmlformats.org/markup-compatibility/2006">
               <mc:Choice xmlns:v="urn:schemas-microsoft-com:vml" Requires="v">
-                <p:oleObj spid="_x0000_s1030" name="Equation" r:id="rId3" imgW="1816100" imgH="393700" progId="Equation.3">
+                <p:oleObj spid="_x0000_s1038" name="Equation" r:id="rId3" imgW="1816100" imgH="393700" progId="Equation.3">
                   <p:embed/>
                 </p:oleObj>
               </mc:Choice>
@@ -3566,7 +3562,7 @@
           <a:graphicData uri="http://schemas.openxmlformats.org/presentationml/2006/ole">
             <mc:AlternateContent xmlns:mc="http://schemas.openxmlformats.org/markup-compatibility/2006">
               <mc:Choice xmlns:v="urn:schemas-microsoft-com:vml" Requires="v">
-                <p:oleObj spid="_x0000_s1031" name="Equation" r:id="rId5" imgW="2527300" imgH="228600" progId="Equation.3">
+                <p:oleObj spid="_x0000_s1039" name="Equation" r:id="rId5" imgW="2527300" imgH="228600" progId="Equation.3">
                   <p:embed/>
                 </p:oleObj>
               </mc:Choice>
@@ -3611,6 +3607,13 @@
   <p:clrMapOvr>
     <a:masterClrMapping/>
   </p:clrMapOvr>
+  <p:timing>
+    <p:tnLst>
+      <p:par>
+        <p:cTn xmlns:p14="http://schemas.microsoft.com/office/powerpoint/2010/main" id="1" dur="indefinite" restart="never" nodeType="tmRoot"/>
+      </p:par>
+    </p:tnLst>
+  </p:timing>
 </p:sld>
 </file>
 
@@ -3648,7 +3651,7 @@
           <a:p>
             <a:r>
               <a:rPr lang="en-US" dirty="0" smtClean="0"/>
-              <a:t>Adaptations</a:t>
+              <a:t>First attempt</a:t>
             </a:r>
             <a:endParaRPr lang="en-US" dirty="0"/>
           </a:p>
@@ -3670,28 +3673,123 @@
           <a:lstStyle/>
           <a:p>
             <a:r>
+              <a:rPr lang="en-US" dirty="0"/>
+              <a:t>Based on </a:t>
+            </a:r>
+          </a:p>
+          <a:p>
+            <a:pPr lvl="1"/>
+            <a:r>
               <a:rPr lang="en-US" dirty="0" smtClean="0"/>
-              <a:t>Experts/Bots</a:t>
-            </a:r>
-          </a:p>
-          <a:p>
-            <a:r>
-              <a:rPr lang="en-US" dirty="0" smtClean="0"/>
-              <a:t>Convex conjugate</a:t>
-            </a:r>
-          </a:p>
-        </p:txBody>
-      </p:sp>
+              <a:t>What we know about you </a:t>
+            </a:r>
+          </a:p>
+        </p:txBody>
+      </p:sp>
+      <p:graphicFrame>
+        <p:nvGraphicFramePr>
+          <p:cNvPr id="4" name="Object 3"/>
+          <p:cNvGraphicFramePr>
+            <a:graphicFrameLocks noChangeAspect="1"/>
+          </p:cNvGraphicFramePr>
+          <p:nvPr>
+            <p:extLst>
+              <p:ext uri="{D42A27DB-BD31-4B8C-83A1-F6EECF244321}">
+                <p14:modId xmlns:p14="http://schemas.microsoft.com/office/powerpoint/2010/main" val="1375109251"/>
+              </p:ext>
+            </p:extLst>
+          </p:nvPr>
+        </p:nvGraphicFramePr>
+        <p:xfrm>
+          <a:off x="5220072" y="3212976"/>
+          <a:ext cx="3168352" cy="589460"/>
+        </p:xfrm>
+        <a:graphic>
+          <a:graphicData uri="http://schemas.openxmlformats.org/presentationml/2006/ole">
+            <mc:AlternateContent xmlns:mc="http://schemas.openxmlformats.org/markup-compatibility/2006">
+              <mc:Choice xmlns:v="urn:schemas-microsoft-com:vml" Requires="v">
+                <p:oleObj spid="_x0000_s2053" name="Equation" r:id="rId3" imgW="1092200" imgH="203200" progId="Equation.3">
+                  <p:embed/>
+                </p:oleObj>
+              </mc:Choice>
+              <mc:Fallback>
+                <p:oleObj name="Equation" r:id="rId3" imgW="1092200" imgH="203200" progId="Equation.3">
+                  <p:embed/>
+                  <p:pic>
+                    <p:nvPicPr>
+                      <p:cNvPr id="0" name=""/>
+                      <p:cNvPicPr/>
+                      <p:nvPr/>
+                    </p:nvPicPr>
+                    <p:blipFill>
+                      <a:blip r:embed="rId4"/>
+                      <a:stretch>
+                        <a:fillRect/>
+                      </a:stretch>
+                    </p:blipFill>
+                    <p:spPr>
+                      <a:xfrm>
+                        <a:off x="5220072" y="3212976"/>
+                        <a:ext cx="3168352" cy="589460"/>
+                      </a:xfrm>
+                      <a:prstGeom prst="rect">
+                        <a:avLst/>
+                      </a:prstGeom>
+                    </p:spPr>
+                  </p:pic>
+                </p:oleObj>
+              </mc:Fallback>
+            </mc:AlternateContent>
+          </a:graphicData>
+        </a:graphic>
+      </p:graphicFrame>
+      <p:pic>
+        <p:nvPicPr>
+          <p:cNvPr id="7" name="Picture 6" descr="beta.gif"/>
+          <p:cNvPicPr>
+            <a:picLocks noChangeAspect="1"/>
+          </p:cNvPicPr>
+          <p:nvPr/>
+        </p:nvPicPr>
+        <p:blipFill>
+          <a:blip r:embed="rId5">
+            <a:extLst>
+              <a:ext uri="{28A0092B-C50C-407E-A947-70E740481C1C}">
+                <a14:useLocalDpi xmlns:a14="http://schemas.microsoft.com/office/drawing/2010/main" val="0"/>
+              </a:ext>
+            </a:extLst>
+          </a:blip>
+          <a:stretch>
+            <a:fillRect/>
+          </a:stretch>
+        </p:blipFill>
+        <p:spPr>
+          <a:xfrm>
+            <a:off x="395536" y="2708920"/>
+            <a:ext cx="4386170" cy="1803524"/>
+          </a:xfrm>
+          <a:prstGeom prst="rect">
+            <a:avLst/>
+          </a:prstGeom>
+        </p:spPr>
+      </p:pic>
     </p:spTree>
     <p:extLst>
       <p:ext uri="{BB962C8B-B14F-4D97-AF65-F5344CB8AC3E}">
-        <p14:creationId xmlns:p14="http://schemas.microsoft.com/office/powerpoint/2010/main" val="819099167"/>
+        <p14:creationId xmlns:p14="http://schemas.microsoft.com/office/powerpoint/2010/main" val="1367087845"/>
       </p:ext>
     </p:extLst>
   </p:cSld>
   <p:clrMapOvr>
     <a:masterClrMapping/>
   </p:clrMapOvr>
+  <p:timing>
+    <p:tnLst>
+      <p:par>
+        <p:cTn xmlns:p14="http://schemas.microsoft.com/office/powerpoint/2010/main" id="1" dur="indefinite" restart="never" nodeType="tmRoot"/>
+      </p:par>
+    </p:tnLst>
+  </p:timing>
 </p:sld>
 </file>
 
@@ -3724,6 +3822,672 @@
         </p:nvSpPr>
         <p:spPr/>
         <p:txBody>
+          <a:bodyPr/>
+          <a:lstStyle/>
+          <a:p>
+            <a:r>
+              <a:rPr lang="en-US" dirty="0" smtClean="0"/>
+              <a:t>First attempt</a:t>
+            </a:r>
+            <a:endParaRPr lang="en-US" dirty="0"/>
+          </a:p>
+        </p:txBody>
+      </p:sp>
+      <p:sp>
+        <p:nvSpPr>
+          <p:cNvPr id="3" name="Content Placeholder 2"/>
+          <p:cNvSpPr>
+            <a:spLocks noGrp="1"/>
+          </p:cNvSpPr>
+          <p:nvPr>
+            <p:ph idx="1"/>
+          </p:nvPr>
+        </p:nvSpPr>
+        <p:spPr/>
+        <p:txBody>
+          <a:bodyPr/>
+          <a:lstStyle/>
+          <a:p>
+            <a:pPr marL="0" indent="0">
+              <a:buNone/>
+            </a:pPr>
+            <a:r>
+              <a:rPr lang="en-US" dirty="0" smtClean="0"/>
+              <a:t> </a:t>
+            </a:r>
+          </a:p>
+        </p:txBody>
+      </p:sp>
+      <p:pic>
+        <p:nvPicPr>
+          <p:cNvPr id="5" name="Picture 4" descr="test1.png"/>
+          <p:cNvPicPr>
+            <a:picLocks noChangeAspect="1"/>
+          </p:cNvPicPr>
+          <p:nvPr/>
+        </p:nvPicPr>
+        <p:blipFill rotWithShape="1">
+          <a:blip r:embed="rId2">
+            <a:extLst>
+              <a:ext uri="{28A0092B-C50C-407E-A947-70E740481C1C}">
+                <a14:useLocalDpi xmlns:a14="http://schemas.microsoft.com/office/drawing/2010/main" val="0"/>
+              </a:ext>
+            </a:extLst>
+          </a:blip>
+          <a:srcRect r="9942"/>
+          <a:stretch/>
+        </p:blipFill>
+        <p:spPr>
+          <a:xfrm>
+            <a:off x="95821" y="2348880"/>
+            <a:ext cx="9017365" cy="1890477"/>
+          </a:xfrm>
+          <a:prstGeom prst="rect">
+            <a:avLst/>
+          </a:prstGeom>
+        </p:spPr>
+      </p:pic>
+    </p:spTree>
+    <p:extLst>
+      <p:ext uri="{BB962C8B-B14F-4D97-AF65-F5344CB8AC3E}">
+        <p14:creationId xmlns:p14="http://schemas.microsoft.com/office/powerpoint/2010/main" val="68682552"/>
+      </p:ext>
+    </p:extLst>
+  </p:cSld>
+  <p:clrMapOvr>
+    <a:masterClrMapping/>
+  </p:clrMapOvr>
+  <p:timing>
+    <p:tnLst>
+      <p:par>
+        <p:cTn xmlns:p14="http://schemas.microsoft.com/office/powerpoint/2010/main" id="1" dur="indefinite" restart="never" nodeType="tmRoot"/>
+      </p:par>
+    </p:tnLst>
+  </p:timing>
+</p:sld>
+</file>
+
+<file path=ppt/slides/slide14.xml><?xml version="1.0" encoding="utf-8"?>
+<p:sld xmlns:a="http://schemas.openxmlformats.org/drawingml/2006/main" xmlns:r="http://schemas.openxmlformats.org/officeDocument/2006/relationships" xmlns:p="http://schemas.openxmlformats.org/presentationml/2006/main">
+  <p:cSld>
+    <p:spTree>
+      <p:nvGrpSpPr>
+        <p:cNvPr id="1" name=""/>
+        <p:cNvGrpSpPr/>
+        <p:nvPr/>
+      </p:nvGrpSpPr>
+      <p:grpSpPr>
+        <a:xfrm>
+          <a:off x="0" y="0"/>
+          <a:ext cx="0" cy="0"/>
+          <a:chOff x="0" y="0"/>
+          <a:chExt cx="0" cy="0"/>
+        </a:xfrm>
+      </p:grpSpPr>
+      <p:sp>
+        <p:nvSpPr>
+          <p:cNvPr id="2" name="Title 1"/>
+          <p:cNvSpPr>
+            <a:spLocks noGrp="1"/>
+          </p:cNvSpPr>
+          <p:nvPr>
+            <p:ph type="title"/>
+          </p:nvPr>
+        </p:nvSpPr>
+        <p:spPr/>
+        <p:txBody>
+          <a:bodyPr/>
+          <a:lstStyle/>
+          <a:p>
+            <a:r>
+              <a:rPr lang="en-US" dirty="0" smtClean="0"/>
+              <a:t>Second attempt</a:t>
+            </a:r>
+            <a:endParaRPr lang="en-US" dirty="0"/>
+          </a:p>
+        </p:txBody>
+      </p:sp>
+      <p:sp>
+        <p:nvSpPr>
+          <p:cNvPr id="3" name="Content Placeholder 2"/>
+          <p:cNvSpPr>
+            <a:spLocks noGrp="1"/>
+          </p:cNvSpPr>
+          <p:nvPr>
+            <p:ph idx="1"/>
+          </p:nvPr>
+        </p:nvSpPr>
+        <p:spPr/>
+        <p:txBody>
+          <a:bodyPr/>
+          <a:lstStyle/>
+          <a:p>
+            <a:r>
+              <a:rPr lang="en-US" dirty="0"/>
+              <a:t>Based on </a:t>
+            </a:r>
+          </a:p>
+          <a:p>
+            <a:pPr lvl="1"/>
+            <a:r>
+              <a:rPr lang="en-US" dirty="0" smtClean="0"/>
+              <a:t>What we know about you</a:t>
+            </a:r>
+          </a:p>
+          <a:p>
+            <a:pPr lvl="2"/>
+            <a:r>
+              <a:rPr lang="en-US" dirty="0"/>
+              <a:t>T</a:t>
+            </a:r>
+            <a:r>
+              <a:rPr lang="en-US" dirty="0" smtClean="0"/>
+              <a:t>rouble makers considered</a:t>
+            </a:r>
+            <a:endParaRPr lang="en-US" dirty="0"/>
+          </a:p>
+          <a:p>
+            <a:pPr lvl="1"/>
+            <a:r>
+              <a:rPr lang="en-US" dirty="0" smtClean="0"/>
+              <a:t>New evidence</a:t>
+            </a:r>
+          </a:p>
+          <a:p>
+            <a:pPr lvl="2"/>
+            <a:r>
+              <a:rPr lang="en-US" dirty="0" smtClean="0"/>
+              <a:t>Combined with a numerical method</a:t>
+            </a:r>
+          </a:p>
+        </p:txBody>
+      </p:sp>
+      <p:graphicFrame>
+        <p:nvGraphicFramePr>
+          <p:cNvPr id="5" name="Object 4"/>
+          <p:cNvGraphicFramePr>
+            <a:graphicFrameLocks noChangeAspect="1"/>
+          </p:cNvGraphicFramePr>
+          <p:nvPr>
+            <p:extLst>
+              <p:ext uri="{D42A27DB-BD31-4B8C-83A1-F6EECF244321}">
+                <p14:modId xmlns:p14="http://schemas.microsoft.com/office/powerpoint/2010/main" val="824794177"/>
+              </p:ext>
+            </p:extLst>
+          </p:nvPr>
+        </p:nvGraphicFramePr>
+        <p:xfrm>
+          <a:off x="3563888" y="1628800"/>
+          <a:ext cx="5037038" cy="553201"/>
+        </p:xfrm>
+        <a:graphic>
+          <a:graphicData uri="http://schemas.openxmlformats.org/presentationml/2006/ole">
+            <mc:AlternateContent xmlns:mc="http://schemas.openxmlformats.org/markup-compatibility/2006">
+              <mc:Choice xmlns:v="urn:schemas-microsoft-com:vml" Requires="v">
+                <p:oleObj spid="_x0000_s4098" name="Equation" r:id="rId3" imgW="2082800" imgH="228600" progId="Equation.3">
+                  <p:embed/>
+                </p:oleObj>
+              </mc:Choice>
+              <mc:Fallback>
+                <p:oleObj name="Equation" r:id="rId3" imgW="2082800" imgH="228600" progId="Equation.3">
+                  <p:embed/>
+                  <p:pic>
+                    <p:nvPicPr>
+                      <p:cNvPr id="0" name=""/>
+                      <p:cNvPicPr/>
+                      <p:nvPr/>
+                    </p:nvPicPr>
+                    <p:blipFill>
+                      <a:blip r:embed="rId4"/>
+                      <a:stretch>
+                        <a:fillRect/>
+                      </a:stretch>
+                    </p:blipFill>
+                    <p:spPr>
+                      <a:xfrm>
+                        <a:off x="3563888" y="1628800"/>
+                        <a:ext cx="5037038" cy="553201"/>
+                      </a:xfrm>
+                      <a:prstGeom prst="rect">
+                        <a:avLst/>
+                      </a:prstGeom>
+                    </p:spPr>
+                  </p:pic>
+                </p:oleObj>
+              </mc:Fallback>
+            </mc:AlternateContent>
+          </a:graphicData>
+        </a:graphic>
+      </p:graphicFrame>
+    </p:spTree>
+    <p:extLst>
+      <p:ext uri="{BB962C8B-B14F-4D97-AF65-F5344CB8AC3E}">
+        <p14:creationId xmlns:p14="http://schemas.microsoft.com/office/powerpoint/2010/main" val="3058607065"/>
+      </p:ext>
+    </p:extLst>
+  </p:cSld>
+  <p:clrMapOvr>
+    <a:masterClrMapping/>
+  </p:clrMapOvr>
+  <p:timing>
+    <p:tnLst>
+      <p:par>
+        <p:cTn xmlns:p14="http://schemas.microsoft.com/office/powerpoint/2010/main" id="1" dur="indefinite" restart="never" nodeType="tmRoot"/>
+      </p:par>
+    </p:tnLst>
+  </p:timing>
+</p:sld>
+</file>
+
+<file path=ppt/slides/slide15.xml><?xml version="1.0" encoding="utf-8"?>
+<p:sld xmlns:a="http://schemas.openxmlformats.org/drawingml/2006/main" xmlns:r="http://schemas.openxmlformats.org/officeDocument/2006/relationships" xmlns:p="http://schemas.openxmlformats.org/presentationml/2006/main">
+  <p:cSld>
+    <p:spTree>
+      <p:nvGrpSpPr>
+        <p:cNvPr id="1" name=""/>
+        <p:cNvGrpSpPr/>
+        <p:nvPr/>
+      </p:nvGrpSpPr>
+      <p:grpSpPr>
+        <a:xfrm>
+          <a:off x="0" y="0"/>
+          <a:ext cx="0" cy="0"/>
+          <a:chOff x="0" y="0"/>
+          <a:chExt cx="0" cy="0"/>
+        </a:xfrm>
+      </p:grpSpPr>
+      <p:sp>
+        <p:nvSpPr>
+          <p:cNvPr id="2" name="Title 1"/>
+          <p:cNvSpPr>
+            <a:spLocks noGrp="1"/>
+          </p:cNvSpPr>
+          <p:nvPr>
+            <p:ph type="title"/>
+          </p:nvPr>
+        </p:nvSpPr>
+        <p:spPr/>
+        <p:txBody>
+          <a:bodyPr/>
+          <a:lstStyle/>
+          <a:p>
+            <a:r>
+              <a:rPr lang="en-US" dirty="0" smtClean="0"/>
+              <a:t>Third attempt</a:t>
+            </a:r>
+            <a:endParaRPr lang="en-US" dirty="0"/>
+          </a:p>
+        </p:txBody>
+      </p:sp>
+      <p:sp>
+        <p:nvSpPr>
+          <p:cNvPr id="3" name="Content Placeholder 2"/>
+          <p:cNvSpPr>
+            <a:spLocks noGrp="1"/>
+          </p:cNvSpPr>
+          <p:nvPr>
+            <p:ph idx="1"/>
+          </p:nvPr>
+        </p:nvSpPr>
+        <p:spPr/>
+        <p:txBody>
+          <a:bodyPr/>
+          <a:lstStyle/>
+          <a:p>
+            <a:r>
+              <a:rPr lang="en-US" dirty="0"/>
+              <a:t>Based on </a:t>
+            </a:r>
+          </a:p>
+          <a:p>
+            <a:pPr lvl="1"/>
+            <a:r>
+              <a:rPr lang="en-US" dirty="0" smtClean="0"/>
+              <a:t>What we know about you</a:t>
+            </a:r>
+          </a:p>
+          <a:p>
+            <a:pPr lvl="2"/>
+            <a:r>
+              <a:rPr lang="en-US" dirty="0"/>
+              <a:t>T</a:t>
+            </a:r>
+            <a:r>
+              <a:rPr lang="en-US" dirty="0" smtClean="0"/>
+              <a:t>rouble makers considered</a:t>
+            </a:r>
+            <a:endParaRPr lang="en-US" dirty="0"/>
+          </a:p>
+          <a:p>
+            <a:pPr lvl="1"/>
+            <a:r>
+              <a:rPr lang="en-US" dirty="0" smtClean="0"/>
+              <a:t>New evidence</a:t>
+            </a:r>
+          </a:p>
+          <a:p>
+            <a:pPr lvl="2"/>
+            <a:r>
+              <a:rPr lang="en-US" dirty="0" smtClean="0"/>
+              <a:t>Convex conjugate</a:t>
+            </a:r>
+          </a:p>
+        </p:txBody>
+      </p:sp>
+      <p:graphicFrame>
+        <p:nvGraphicFramePr>
+          <p:cNvPr id="5" name="Object 4"/>
+          <p:cNvGraphicFramePr>
+            <a:graphicFrameLocks noChangeAspect="1"/>
+          </p:cNvGraphicFramePr>
+          <p:nvPr>
+            <p:extLst>
+              <p:ext uri="{D42A27DB-BD31-4B8C-83A1-F6EECF244321}">
+                <p14:modId xmlns:p14="http://schemas.microsoft.com/office/powerpoint/2010/main" val="367499521"/>
+              </p:ext>
+            </p:extLst>
+          </p:nvPr>
+        </p:nvGraphicFramePr>
+        <p:xfrm>
+          <a:off x="3563888" y="1628800"/>
+          <a:ext cx="5037038" cy="553201"/>
+        </p:xfrm>
+        <a:graphic>
+          <a:graphicData uri="http://schemas.openxmlformats.org/presentationml/2006/ole">
+            <mc:AlternateContent xmlns:mc="http://schemas.openxmlformats.org/markup-compatibility/2006">
+              <mc:Choice xmlns:v="urn:schemas-microsoft-com:vml" Requires="v">
+                <p:oleObj spid="_x0000_s5127" name="Equation" r:id="rId3" imgW="2082800" imgH="228600" progId="Equation.3">
+                  <p:embed/>
+                </p:oleObj>
+              </mc:Choice>
+              <mc:Fallback>
+                <p:oleObj name="Equation" r:id="rId3" imgW="2082800" imgH="228600" progId="Equation.3">
+                  <p:embed/>
+                  <p:pic>
+                    <p:nvPicPr>
+                      <p:cNvPr id="0" name=""/>
+                      <p:cNvPicPr/>
+                      <p:nvPr/>
+                    </p:nvPicPr>
+                    <p:blipFill>
+                      <a:blip r:embed="rId4"/>
+                      <a:stretch>
+                        <a:fillRect/>
+                      </a:stretch>
+                    </p:blipFill>
+                    <p:spPr>
+                      <a:xfrm>
+                        <a:off x="3563888" y="1628800"/>
+                        <a:ext cx="5037038" cy="553201"/>
+                      </a:xfrm>
+                      <a:prstGeom prst="rect">
+                        <a:avLst/>
+                      </a:prstGeom>
+                    </p:spPr>
+                  </p:pic>
+                </p:oleObj>
+              </mc:Fallback>
+            </mc:AlternateContent>
+          </a:graphicData>
+        </a:graphic>
+      </p:graphicFrame>
+      <p:graphicFrame>
+        <p:nvGraphicFramePr>
+          <p:cNvPr id="6" name="Object 5"/>
+          <p:cNvGraphicFramePr>
+            <a:graphicFrameLocks noChangeAspect="1"/>
+          </p:cNvGraphicFramePr>
+          <p:nvPr>
+            <p:extLst>
+              <p:ext uri="{D42A27DB-BD31-4B8C-83A1-F6EECF244321}">
+                <p14:modId xmlns:p14="http://schemas.microsoft.com/office/powerpoint/2010/main" val="2666698988"/>
+              </p:ext>
+            </p:extLst>
+          </p:nvPr>
+        </p:nvGraphicFramePr>
+        <p:xfrm>
+          <a:off x="3635896" y="3212976"/>
+          <a:ext cx="5244092" cy="474340"/>
+        </p:xfrm>
+        <a:graphic>
+          <a:graphicData uri="http://schemas.openxmlformats.org/presentationml/2006/ole">
+            <mc:AlternateContent xmlns:mc="http://schemas.openxmlformats.org/markup-compatibility/2006">
+              <mc:Choice xmlns:v="urn:schemas-microsoft-com:vml" Requires="v">
+                <p:oleObj spid="_x0000_s5128" name="Equation" r:id="rId5" imgW="2527300" imgH="228600" progId="Equation.3">
+                  <p:embed/>
+                </p:oleObj>
+              </mc:Choice>
+              <mc:Fallback>
+                <p:oleObj name="Equation" r:id="rId5" imgW="2527300" imgH="228600" progId="Equation.3">
+                  <p:embed/>
+                  <p:pic>
+                    <p:nvPicPr>
+                      <p:cNvPr id="0" name=""/>
+                      <p:cNvPicPr/>
+                      <p:nvPr/>
+                    </p:nvPicPr>
+                    <p:blipFill>
+                      <a:blip r:embed="rId6"/>
+                      <a:stretch>
+                        <a:fillRect/>
+                      </a:stretch>
+                    </p:blipFill>
+                    <p:spPr>
+                      <a:xfrm>
+                        <a:off x="3635896" y="3212976"/>
+                        <a:ext cx="5244092" cy="474340"/>
+                      </a:xfrm>
+                      <a:prstGeom prst="rect">
+                        <a:avLst/>
+                      </a:prstGeom>
+                    </p:spPr>
+                  </p:pic>
+                </p:oleObj>
+              </mc:Fallback>
+            </mc:AlternateContent>
+          </a:graphicData>
+        </a:graphic>
+      </p:graphicFrame>
+      <p:graphicFrame>
+        <p:nvGraphicFramePr>
+          <p:cNvPr id="4" name="Object 3"/>
+          <p:cNvGraphicFramePr>
+            <a:graphicFrameLocks noChangeAspect="1"/>
+          </p:cNvGraphicFramePr>
+          <p:nvPr>
+            <p:extLst>
+              <p:ext uri="{D42A27DB-BD31-4B8C-83A1-F6EECF244321}">
+                <p14:modId xmlns:p14="http://schemas.microsoft.com/office/powerpoint/2010/main" val="3840138482"/>
+              </p:ext>
+            </p:extLst>
+          </p:nvPr>
+        </p:nvGraphicFramePr>
+        <p:xfrm>
+          <a:off x="2915816" y="3933056"/>
+          <a:ext cx="6036995" cy="792088"/>
+        </p:xfrm>
+        <a:graphic>
+          <a:graphicData uri="http://schemas.openxmlformats.org/presentationml/2006/ole">
+            <mc:AlternateContent xmlns:mc="http://schemas.openxmlformats.org/markup-compatibility/2006">
+              <mc:Choice xmlns:v="urn:schemas-microsoft-com:vml" Requires="v">
+                <p:oleObj spid="_x0000_s5129" name="Equation" r:id="rId7" imgW="3581400" imgH="469900" progId="Equation.3">
+                  <p:embed/>
+                </p:oleObj>
+              </mc:Choice>
+              <mc:Fallback>
+                <p:oleObj name="Equation" r:id="rId7" imgW="3581400" imgH="469900" progId="Equation.3">
+                  <p:embed/>
+                  <p:pic>
+                    <p:nvPicPr>
+                      <p:cNvPr id="0" name=""/>
+                      <p:cNvPicPr/>
+                      <p:nvPr/>
+                    </p:nvPicPr>
+                    <p:blipFill>
+                      <a:blip r:embed="rId8"/>
+                      <a:stretch>
+                        <a:fillRect/>
+                      </a:stretch>
+                    </p:blipFill>
+                    <p:spPr>
+                      <a:xfrm>
+                        <a:off x="2915816" y="3933056"/>
+                        <a:ext cx="6036995" cy="792088"/>
+                      </a:xfrm>
+                      <a:prstGeom prst="rect">
+                        <a:avLst/>
+                      </a:prstGeom>
+                    </p:spPr>
+                  </p:pic>
+                </p:oleObj>
+              </mc:Fallback>
+            </mc:AlternateContent>
+          </a:graphicData>
+        </a:graphic>
+      </p:graphicFrame>
+    </p:spTree>
+    <p:extLst>
+      <p:ext uri="{BB962C8B-B14F-4D97-AF65-F5344CB8AC3E}">
+        <p14:creationId xmlns:p14="http://schemas.microsoft.com/office/powerpoint/2010/main" val="1072878464"/>
+      </p:ext>
+    </p:extLst>
+  </p:cSld>
+  <p:clrMapOvr>
+    <a:masterClrMapping/>
+  </p:clrMapOvr>
+  <p:timing>
+    <p:tnLst>
+      <p:par>
+        <p:cTn xmlns:p14="http://schemas.microsoft.com/office/powerpoint/2010/main" id="1" dur="indefinite" restart="never" nodeType="tmRoot"/>
+      </p:par>
+    </p:tnLst>
+  </p:timing>
+</p:sld>
+</file>
+
+<file path=ppt/slides/slide16.xml><?xml version="1.0" encoding="utf-8"?>
+<p:sld xmlns:a="http://schemas.openxmlformats.org/drawingml/2006/main" xmlns:r="http://schemas.openxmlformats.org/officeDocument/2006/relationships" xmlns:p="http://schemas.openxmlformats.org/presentationml/2006/main">
+  <p:cSld>
+    <p:spTree>
+      <p:nvGrpSpPr>
+        <p:cNvPr id="1" name=""/>
+        <p:cNvGrpSpPr/>
+        <p:nvPr/>
+      </p:nvGrpSpPr>
+      <p:grpSpPr>
+        <a:xfrm>
+          <a:off x="0" y="0"/>
+          <a:ext cx="0" cy="0"/>
+          <a:chOff x="0" y="0"/>
+          <a:chExt cx="0" cy="0"/>
+        </a:xfrm>
+      </p:grpSpPr>
+      <p:sp>
+        <p:nvSpPr>
+          <p:cNvPr id="2" name="Title 1"/>
+          <p:cNvSpPr>
+            <a:spLocks noGrp="1"/>
+          </p:cNvSpPr>
+          <p:nvPr>
+            <p:ph type="title"/>
+          </p:nvPr>
+        </p:nvSpPr>
+        <p:spPr/>
+        <p:txBody>
+          <a:bodyPr/>
+          <a:lstStyle/>
+          <a:p>
+            <a:r>
+              <a:rPr lang="en-US" dirty="0" smtClean="0"/>
+              <a:t>Adaptations</a:t>
+            </a:r>
+            <a:endParaRPr lang="en-US" dirty="0"/>
+          </a:p>
+        </p:txBody>
+      </p:sp>
+      <p:sp>
+        <p:nvSpPr>
+          <p:cNvPr id="3" name="Content Placeholder 2"/>
+          <p:cNvSpPr>
+            <a:spLocks noGrp="1"/>
+          </p:cNvSpPr>
+          <p:nvPr>
+            <p:ph idx="1"/>
+          </p:nvPr>
+        </p:nvSpPr>
+        <p:spPr/>
+        <p:txBody>
+          <a:bodyPr/>
+          <a:lstStyle/>
+          <a:p>
+            <a:r>
+              <a:rPr lang="en-US" dirty="0" smtClean="0"/>
+              <a:t>Experts/Bots</a:t>
+            </a:r>
+          </a:p>
+          <a:p>
+            <a:r>
+              <a:rPr lang="en-US" dirty="0" smtClean="0"/>
+              <a:t>Convex conjugate</a:t>
+            </a:r>
+          </a:p>
+          <a:p>
+            <a:r>
+              <a:rPr lang="en-US" dirty="0" smtClean="0"/>
+              <a:t>N Continuous</a:t>
+            </a:r>
+          </a:p>
+        </p:txBody>
+      </p:sp>
+    </p:spTree>
+    <p:extLst>
+      <p:ext uri="{BB962C8B-B14F-4D97-AF65-F5344CB8AC3E}">
+        <p14:creationId xmlns:p14="http://schemas.microsoft.com/office/powerpoint/2010/main" val="819099167"/>
+      </p:ext>
+    </p:extLst>
+  </p:cSld>
+  <p:clrMapOvr>
+    <a:masterClrMapping/>
+  </p:clrMapOvr>
+  <p:timing>
+    <p:tnLst>
+      <p:par>
+        <p:cTn xmlns:p14="http://schemas.microsoft.com/office/powerpoint/2010/main" id="1" dur="indefinite" restart="never" nodeType="tmRoot"/>
+      </p:par>
+    </p:tnLst>
+  </p:timing>
+</p:sld>
+</file>
+
+<file path=ppt/slides/slide17.xml><?xml version="1.0" encoding="utf-8"?>
+<p:sld xmlns:a="http://schemas.openxmlformats.org/drawingml/2006/main" xmlns:r="http://schemas.openxmlformats.org/officeDocument/2006/relationships" xmlns:p="http://schemas.openxmlformats.org/presentationml/2006/main">
+  <p:cSld>
+    <p:spTree>
+      <p:nvGrpSpPr>
+        <p:cNvPr id="1" name=""/>
+        <p:cNvGrpSpPr/>
+        <p:nvPr/>
+      </p:nvGrpSpPr>
+      <p:grpSpPr>
+        <a:xfrm>
+          <a:off x="0" y="0"/>
+          <a:ext cx="0" cy="0"/>
+          <a:chOff x="0" y="0"/>
+          <a:chExt cx="0" cy="0"/>
+        </a:xfrm>
+      </p:grpSpPr>
+      <p:sp>
+        <p:nvSpPr>
+          <p:cNvPr id="2" name="Title 1"/>
+          <p:cNvSpPr>
+            <a:spLocks noGrp="1"/>
+          </p:cNvSpPr>
+          <p:nvPr>
+            <p:ph type="title"/>
+          </p:nvPr>
+        </p:nvSpPr>
+        <p:spPr/>
+        <p:txBody>
           <a:bodyPr>
             <a:normAutofit/>
           </a:bodyPr>
@@ -3805,7 +4569,7 @@
 </p:sld>
 </file>
 
-<file path=ppt/slides/slide14.xml><?xml version="1.0" encoding="utf-8"?>
+<file path=ppt/slides/slide18.xml><?xml version="1.0" encoding="utf-8"?>
 <p:sld xmlns:a="http://schemas.openxmlformats.org/drawingml/2006/main" xmlns:r="http://schemas.openxmlformats.org/officeDocument/2006/relationships" xmlns:p="http://schemas.openxmlformats.org/presentationml/2006/main">
   <p:cSld>
     <p:spTree>
@@ -3971,7 +4735,7 @@
 </p:sld>
 </file>
 
-<file path=ppt/slides/slide15.xml><?xml version="1.0" encoding="utf-8"?>
+<file path=ppt/slides/slide19.xml><?xml version="1.0" encoding="utf-8"?>
 <p:sld xmlns:a="http://schemas.openxmlformats.org/drawingml/2006/main" xmlns:r="http://schemas.openxmlformats.org/officeDocument/2006/relationships" xmlns:p="http://schemas.openxmlformats.org/presentationml/2006/main">
   <p:cSld>
     <p:spTree>
@@ -4080,166 +4844,6 @@
       </p:par>
     </p:tnLst>
   </p:timing>
-</p:sld>
-</file>
-
-<file path=ppt/slides/slide16.xml><?xml version="1.0" encoding="utf-8"?>
-<p:sld xmlns:a="http://schemas.openxmlformats.org/drawingml/2006/main" xmlns:r="http://schemas.openxmlformats.org/officeDocument/2006/relationships" xmlns:p="http://schemas.openxmlformats.org/presentationml/2006/main">
-  <p:cSld>
-    <p:spTree>
-      <p:nvGrpSpPr>
-        <p:cNvPr id="1" name=""/>
-        <p:cNvGrpSpPr/>
-        <p:nvPr/>
-      </p:nvGrpSpPr>
-      <p:grpSpPr>
-        <a:xfrm>
-          <a:off x="0" y="0"/>
-          <a:ext cx="0" cy="0"/>
-          <a:chOff x="0" y="0"/>
-          <a:chExt cx="0" cy="0"/>
-        </a:xfrm>
-      </p:grpSpPr>
-      <p:sp>
-        <p:nvSpPr>
-          <p:cNvPr id="2" name="Title 1"/>
-          <p:cNvSpPr>
-            <a:spLocks noGrp="1"/>
-          </p:cNvSpPr>
-          <p:nvPr>
-            <p:ph type="title"/>
-          </p:nvPr>
-        </p:nvSpPr>
-        <p:spPr/>
-        <p:txBody>
-          <a:bodyPr/>
-          <a:lstStyle/>
-          <a:p>
-            <a:r>
-              <a:rPr lang="en-US" dirty="0" smtClean="0"/>
-              <a:t>Conclusions</a:t>
-            </a:r>
-            <a:endParaRPr lang="en-IN" dirty="0"/>
-          </a:p>
-        </p:txBody>
-      </p:sp>
-      <p:sp>
-        <p:nvSpPr>
-          <p:cNvPr id="3" name="Content Placeholder 2"/>
-          <p:cNvSpPr>
-            <a:spLocks noGrp="1"/>
-          </p:cNvSpPr>
-          <p:nvPr>
-            <p:ph idx="1"/>
-          </p:nvPr>
-        </p:nvSpPr>
-        <p:spPr/>
-        <p:txBody>
-          <a:bodyPr/>
-          <a:lstStyle/>
-          <a:p>
-            <a:r>
-              <a:rPr lang="en-US" dirty="0" smtClean="0"/>
-              <a:t>Successfully developed a generic framework</a:t>
-            </a:r>
-          </a:p>
-          <a:p>
-            <a:r>
-              <a:rPr lang="en-US" dirty="0" err="1" smtClean="0"/>
-              <a:t>Generalised</a:t>
-            </a:r>
-            <a:r>
-              <a:rPr lang="en-US" dirty="0" smtClean="0"/>
-              <a:t> EM algorithm to obtain optimum number of people to ask.</a:t>
-            </a:r>
-          </a:p>
-          <a:p>
-            <a:r>
-              <a:rPr lang="en-US" dirty="0" smtClean="0"/>
-              <a:t>Produced an easy to use website which allowed people to </a:t>
-            </a:r>
-            <a:r>
-              <a:rPr lang="en-US" smtClean="0"/>
-              <a:t>complete tasks</a:t>
-            </a:r>
-            <a:endParaRPr lang="en-US" dirty="0" smtClean="0"/>
-          </a:p>
-        </p:txBody>
-      </p:sp>
-    </p:spTree>
-  </p:cSld>
-  <p:clrMapOvr>
-    <a:masterClrMapping/>
-  </p:clrMapOvr>
-  <p:timing>
-    <p:tnLst>
-      <p:par>
-        <p:cTn xmlns:p14="http://schemas.microsoft.com/office/powerpoint/2010/main" id="1" dur="indefinite" restart="never" nodeType="tmRoot"/>
-      </p:par>
-    </p:tnLst>
-  </p:timing>
-</p:sld>
-</file>
-
-<file path=ppt/slides/slide17.xml><?xml version="1.0" encoding="utf-8"?>
-<p:sld xmlns:a="http://schemas.openxmlformats.org/drawingml/2006/main" xmlns:r="http://schemas.openxmlformats.org/officeDocument/2006/relationships" xmlns:p="http://schemas.openxmlformats.org/presentationml/2006/main">
-  <p:cSld>
-    <p:spTree>
-      <p:nvGrpSpPr>
-        <p:cNvPr id="1" name=""/>
-        <p:cNvGrpSpPr/>
-        <p:nvPr/>
-      </p:nvGrpSpPr>
-      <p:grpSpPr>
-        <a:xfrm>
-          <a:off x="0" y="0"/>
-          <a:ext cx="0" cy="0"/>
-          <a:chOff x="0" y="0"/>
-          <a:chExt cx="0" cy="0"/>
-        </a:xfrm>
-      </p:grpSpPr>
-      <p:sp>
-        <p:nvSpPr>
-          <p:cNvPr id="2" name="Title 1"/>
-          <p:cNvSpPr>
-            <a:spLocks noGrp="1"/>
-          </p:cNvSpPr>
-          <p:nvPr>
-            <p:ph type="title"/>
-          </p:nvPr>
-        </p:nvSpPr>
-        <p:spPr>
-          <a:xfrm>
-            <a:off x="457200" y="274638"/>
-            <a:ext cx="8229600" cy="6106690"/>
-          </a:xfrm>
-        </p:spPr>
-        <p:txBody>
-          <a:bodyPr>
-            <a:normAutofit/>
-          </a:bodyPr>
-          <a:lstStyle/>
-          <a:p>
-            <a:r>
-              <a:rPr lang="en-US" sz="6600" dirty="0" smtClean="0"/>
-              <a:t>Thank you for listening!</a:t>
-            </a:r>
-            <a:br>
-              <a:rPr lang="en-US" sz="6600" dirty="0" smtClean="0"/>
-            </a:br>
-            <a:r>
-              <a:rPr lang="en-US" sz="6600" dirty="0" smtClean="0"/>
-              <a:t>Questions?</a:t>
-            </a:r>
-            <a:endParaRPr lang="en-IN" sz="6600" dirty="0"/>
-          </a:p>
-        </p:txBody>
-      </p:sp>
-    </p:spTree>
-  </p:cSld>
-  <p:clrMapOvr>
-    <a:masterClrMapping/>
-  </p:clrMapOvr>
 </p:sld>
 </file>
 
@@ -4316,6 +4920,173 @@
               <a:t>“How can I get an accurate result set?”</a:t>
             </a:r>
             <a:endParaRPr lang="en-IN" sz="4800" i="1" dirty="0"/>
+          </a:p>
+        </p:txBody>
+      </p:sp>
+    </p:spTree>
+  </p:cSld>
+  <p:clrMapOvr>
+    <a:masterClrMapping/>
+  </p:clrMapOvr>
+  <p:timing>
+    <p:tnLst>
+      <p:par>
+        <p:cTn xmlns:p14="http://schemas.microsoft.com/office/powerpoint/2010/main" id="1" dur="indefinite" restart="never" nodeType="tmRoot"/>
+      </p:par>
+    </p:tnLst>
+  </p:timing>
+</p:sld>
+</file>
+
+<file path=ppt/slides/slide20.xml><?xml version="1.0" encoding="utf-8"?>
+<p:sld xmlns:a="http://schemas.openxmlformats.org/drawingml/2006/main" xmlns:r="http://schemas.openxmlformats.org/officeDocument/2006/relationships" xmlns:p="http://schemas.openxmlformats.org/presentationml/2006/main">
+  <p:cSld>
+    <p:spTree>
+      <p:nvGrpSpPr>
+        <p:cNvPr id="1" name=""/>
+        <p:cNvGrpSpPr/>
+        <p:nvPr/>
+      </p:nvGrpSpPr>
+      <p:grpSpPr>
+        <a:xfrm>
+          <a:off x="0" y="0"/>
+          <a:ext cx="0" cy="0"/>
+          <a:chOff x="0" y="0"/>
+          <a:chExt cx="0" cy="0"/>
+        </a:xfrm>
+      </p:grpSpPr>
+      <p:sp>
+        <p:nvSpPr>
+          <p:cNvPr id="2" name="Title 1"/>
+          <p:cNvSpPr>
+            <a:spLocks noGrp="1"/>
+          </p:cNvSpPr>
+          <p:nvPr>
+            <p:ph type="title"/>
+          </p:nvPr>
+        </p:nvSpPr>
+        <p:spPr/>
+        <p:txBody>
+          <a:bodyPr/>
+          <a:lstStyle/>
+          <a:p>
+            <a:r>
+              <a:rPr lang="en-US" dirty="0" smtClean="0"/>
+              <a:t>Conclusions</a:t>
+            </a:r>
+            <a:endParaRPr lang="en-IN" dirty="0"/>
+          </a:p>
+        </p:txBody>
+      </p:sp>
+      <p:sp>
+        <p:nvSpPr>
+          <p:cNvPr id="3" name="Content Placeholder 2"/>
+          <p:cNvSpPr>
+            <a:spLocks noGrp="1"/>
+          </p:cNvSpPr>
+          <p:nvPr>
+            <p:ph idx="1"/>
+          </p:nvPr>
+        </p:nvSpPr>
+        <p:spPr/>
+        <p:txBody>
+          <a:bodyPr/>
+          <a:lstStyle/>
+          <a:p>
+            <a:r>
+              <a:rPr lang="en-US" dirty="0" smtClean="0"/>
+              <a:t>Successfully developed a generic framework</a:t>
+            </a:r>
+          </a:p>
+          <a:p>
+            <a:r>
+              <a:rPr lang="en-US" dirty="0" err="1" smtClean="0"/>
+              <a:t>Generalised</a:t>
+            </a:r>
+            <a:r>
+              <a:rPr lang="en-US" dirty="0" smtClean="0"/>
+              <a:t> EM algorithm to obtain optimum number of people to ask.</a:t>
+            </a:r>
+          </a:p>
+          <a:p>
+            <a:r>
+              <a:rPr lang="en-US" dirty="0" smtClean="0"/>
+              <a:t>Produced an easy to use website which allowed people to </a:t>
+            </a:r>
+            <a:r>
+              <a:rPr lang="en-US" smtClean="0"/>
+              <a:t>complete tasks</a:t>
+            </a:r>
+            <a:endParaRPr lang="en-US" dirty="0" smtClean="0"/>
+          </a:p>
+        </p:txBody>
+      </p:sp>
+    </p:spTree>
+  </p:cSld>
+  <p:clrMapOvr>
+    <a:masterClrMapping/>
+  </p:clrMapOvr>
+  <p:timing>
+    <p:tnLst>
+      <p:par>
+        <p:cTn xmlns:p14="http://schemas.microsoft.com/office/powerpoint/2010/main" id="1" dur="indefinite" restart="never" nodeType="tmRoot"/>
+      </p:par>
+    </p:tnLst>
+  </p:timing>
+</p:sld>
+</file>
+
+<file path=ppt/slides/slide21.xml><?xml version="1.0" encoding="utf-8"?>
+<p:sld xmlns:a="http://schemas.openxmlformats.org/drawingml/2006/main" xmlns:r="http://schemas.openxmlformats.org/officeDocument/2006/relationships" xmlns:p="http://schemas.openxmlformats.org/presentationml/2006/main">
+  <p:cSld>
+    <p:spTree>
+      <p:nvGrpSpPr>
+        <p:cNvPr id="1" name=""/>
+        <p:cNvGrpSpPr/>
+        <p:nvPr/>
+      </p:nvGrpSpPr>
+      <p:grpSpPr>
+        <a:xfrm>
+          <a:off x="0" y="0"/>
+          <a:ext cx="0" cy="0"/>
+          <a:chOff x="0" y="0"/>
+          <a:chExt cx="0" cy="0"/>
+        </a:xfrm>
+      </p:grpSpPr>
+      <p:sp>
+        <p:nvSpPr>
+          <p:cNvPr id="2" name="Title 1"/>
+          <p:cNvSpPr>
+            <a:spLocks noGrp="1"/>
+          </p:cNvSpPr>
+          <p:nvPr>
+            <p:ph type="title"/>
+          </p:nvPr>
+        </p:nvSpPr>
+        <p:spPr>
+          <a:xfrm>
+            <a:off x="457200" y="274638"/>
+            <a:ext cx="8229600" cy="6106690"/>
+          </a:xfrm>
+        </p:spPr>
+        <p:txBody>
+          <a:bodyPr>
+            <a:normAutofit/>
+          </a:bodyPr>
+          <a:lstStyle/>
+          <a:p>
+            <a:r>
+              <a:rPr lang="en-US" sz="6600" dirty="0" smtClean="0"/>
+              <a:t>Thank you for listening!</a:t>
+            </a:r>
+            <a:br>
+              <a:rPr lang="en-US" sz="6600" dirty="0" smtClean="0"/>
+            </a:br>
+            <a:r>
+              <a:rPr lang="en-US" sz="6600" dirty="0" smtClean="0"/>
+              <a:t>Questions?</a:t>
+            </a:r>
+            <a:endParaRPr lang="en-IN" sz="6600" dirty="0"/>
           </a:p>
         </p:txBody>
       </p:sp>
@@ -4876,7 +5647,7 @@
           <a:p>
             <a:r>
               <a:rPr lang="en-US" dirty="0" smtClean="0"/>
-              <a:t>Under the bonnet</a:t>
+              <a:t>What do we do with all this data?</a:t>
             </a:r>
             <a:endParaRPr lang="en-US" dirty="0"/>
           </a:p>
@@ -4897,7 +5668,17 @@
           <a:bodyPr/>
           <a:lstStyle/>
           <a:p>
-            <a:endParaRPr lang="en-US"/>
+            <a:r>
+              <a:rPr lang="en-US" dirty="0" smtClean="0"/>
+              <a:t>Get the right answer</a:t>
+            </a:r>
+          </a:p>
+          <a:p>
+            <a:r>
+              <a:rPr lang="en-US" dirty="0" smtClean="0"/>
+              <a:t>Find out who is good</a:t>
+            </a:r>
+            <a:endParaRPr lang="en-US" dirty="0"/>
           </a:p>
         </p:txBody>
       </p:sp>
